--- a/유니티에디터 기초.pptx
+++ b/유니티에디터 기초.pptx
@@ -18,6 +18,11 @@
     <p:sldId id="266" r:id="rId12"/>
     <p:sldId id="267" r:id="rId13"/>
     <p:sldId id="268" r:id="rId14"/>
+    <p:sldId id="269" r:id="rId15"/>
+    <p:sldId id="270" r:id="rId16"/>
+    <p:sldId id="271" r:id="rId17"/>
+    <p:sldId id="272" r:id="rId18"/>
+    <p:sldId id="273" r:id="rId19"/>
   </p:sldIdLst>
   <p:sldSz cx="12192000" cy="6858000"/>
   <p:notesSz cx="6858000" cy="9144000"/>
@@ -116,6 +121,11 @@
       </a:defRPr>
     </a:lvl9pPr>
   </p:defaultTextStyle>
+  <p:extLst>
+    <p:ext uri="{EFAFB233-063F-42B5-8137-9DF3F51BA10A}">
+      <p15:sldGuideLst xmlns:p15="http://schemas.microsoft.com/office/powerpoint/2012/main"/>
+    </p:ext>
+  </p:extLst>
 </p:presentation>
 </file>
 
@@ -266,7 +276,7 @@
           <a:p>
             <a:fld id="{BAD6A147-B109-4A48-B738-EAB6C9E31425}" type="datetimeFigureOut">
               <a:rPr lang="ko-KR" altLang="en-US" smtClean="0"/>
-              <a:t>2024-07-22</a:t>
+              <a:t>2024-07-23</a:t>
             </a:fld>
             <a:endParaRPr lang="ko-KR" altLang="en-US"/>
           </a:p>
@@ -464,7 +474,7 @@
           <a:p>
             <a:fld id="{BAD6A147-B109-4A48-B738-EAB6C9E31425}" type="datetimeFigureOut">
               <a:rPr lang="ko-KR" altLang="en-US" smtClean="0"/>
-              <a:t>2024-07-22</a:t>
+              <a:t>2024-07-23</a:t>
             </a:fld>
             <a:endParaRPr lang="ko-KR" altLang="en-US"/>
           </a:p>
@@ -672,7 +682,7 @@
           <a:p>
             <a:fld id="{BAD6A147-B109-4A48-B738-EAB6C9E31425}" type="datetimeFigureOut">
               <a:rPr lang="ko-KR" altLang="en-US" smtClean="0"/>
-              <a:t>2024-07-22</a:t>
+              <a:t>2024-07-23</a:t>
             </a:fld>
             <a:endParaRPr lang="ko-KR" altLang="en-US"/>
           </a:p>
@@ -870,7 +880,7 @@
           <a:p>
             <a:fld id="{BAD6A147-B109-4A48-B738-EAB6C9E31425}" type="datetimeFigureOut">
               <a:rPr lang="ko-KR" altLang="en-US" smtClean="0"/>
-              <a:t>2024-07-22</a:t>
+              <a:t>2024-07-23</a:t>
             </a:fld>
             <a:endParaRPr lang="ko-KR" altLang="en-US"/>
           </a:p>
@@ -1145,7 +1155,7 @@
           <a:p>
             <a:fld id="{BAD6A147-B109-4A48-B738-EAB6C9E31425}" type="datetimeFigureOut">
               <a:rPr lang="ko-KR" altLang="en-US" smtClean="0"/>
-              <a:t>2024-07-22</a:t>
+              <a:t>2024-07-23</a:t>
             </a:fld>
             <a:endParaRPr lang="ko-KR" altLang="en-US"/>
           </a:p>
@@ -1410,7 +1420,7 @@
           <a:p>
             <a:fld id="{BAD6A147-B109-4A48-B738-EAB6C9E31425}" type="datetimeFigureOut">
               <a:rPr lang="ko-KR" altLang="en-US" smtClean="0"/>
-              <a:t>2024-07-22</a:t>
+              <a:t>2024-07-23</a:t>
             </a:fld>
             <a:endParaRPr lang="ko-KR" altLang="en-US"/>
           </a:p>
@@ -1822,7 +1832,7 @@
           <a:p>
             <a:fld id="{BAD6A147-B109-4A48-B738-EAB6C9E31425}" type="datetimeFigureOut">
               <a:rPr lang="ko-KR" altLang="en-US" smtClean="0"/>
-              <a:t>2024-07-22</a:t>
+              <a:t>2024-07-23</a:t>
             </a:fld>
             <a:endParaRPr lang="ko-KR" altLang="en-US"/>
           </a:p>
@@ -1963,7 +1973,7 @@
           <a:p>
             <a:fld id="{BAD6A147-B109-4A48-B738-EAB6C9E31425}" type="datetimeFigureOut">
               <a:rPr lang="ko-KR" altLang="en-US" smtClean="0"/>
-              <a:t>2024-07-22</a:t>
+              <a:t>2024-07-23</a:t>
             </a:fld>
             <a:endParaRPr lang="ko-KR" altLang="en-US"/>
           </a:p>
@@ -2076,7 +2086,7 @@
           <a:p>
             <a:fld id="{BAD6A147-B109-4A48-B738-EAB6C9E31425}" type="datetimeFigureOut">
               <a:rPr lang="ko-KR" altLang="en-US" smtClean="0"/>
-              <a:t>2024-07-22</a:t>
+              <a:t>2024-07-23</a:t>
             </a:fld>
             <a:endParaRPr lang="ko-KR" altLang="en-US"/>
           </a:p>
@@ -2387,7 +2397,7 @@
           <a:p>
             <a:fld id="{BAD6A147-B109-4A48-B738-EAB6C9E31425}" type="datetimeFigureOut">
               <a:rPr lang="ko-KR" altLang="en-US" smtClean="0"/>
-              <a:t>2024-07-22</a:t>
+              <a:t>2024-07-23</a:t>
             </a:fld>
             <a:endParaRPr lang="ko-KR" altLang="en-US"/>
           </a:p>
@@ -2675,7 +2685,7 @@
           <a:p>
             <a:fld id="{BAD6A147-B109-4A48-B738-EAB6C9E31425}" type="datetimeFigureOut">
               <a:rPr lang="ko-KR" altLang="en-US" smtClean="0"/>
-              <a:t>2024-07-22</a:t>
+              <a:t>2024-07-23</a:t>
             </a:fld>
             <a:endParaRPr lang="ko-KR" altLang="en-US"/>
           </a:p>
@@ -2916,7 +2926,7 @@
           <a:p>
             <a:fld id="{BAD6A147-B109-4A48-B738-EAB6C9E31425}" type="datetimeFigureOut">
               <a:rPr lang="ko-KR" altLang="en-US" smtClean="0"/>
-              <a:t>2024-07-22</a:t>
+              <a:t>2024-07-23</a:t>
             </a:fld>
             <a:endParaRPr lang="ko-KR" altLang="en-US"/>
           </a:p>
@@ -4122,12 +4132,16 @@
         </p:nvSpPr>
         <p:spPr>
           <a:xfrm>
-            <a:off x="1449421" y="690664"/>
+            <a:off x="1650756" y="1823178"/>
             <a:ext cx="8404698" cy="2383276"/>
           </a:xfrm>
           <a:prstGeom prst="rect">
             <a:avLst/>
           </a:prstGeom>
+          <a:noFill/>
+          <a:ln>
+            <a:noFill/>
+          </a:ln>
         </p:spPr>
         <p:style>
           <a:lnRef idx="2">
@@ -4151,7 +4165,11 @@
           <a:p>
             <a:pPr algn="ctr"/>
             <a:r>
-              <a:rPr lang="ko-KR" altLang="en-US"/>
+              <a:rPr lang="ko-KR" altLang="en-US" sz="7200" dirty="0">
+                <a:solidFill>
+                  <a:schemeClr val="tx1"/>
+                </a:solidFill>
+              </a:rPr>
               <a:t>벡터의 회전 </a:t>
             </a:r>
           </a:p>
@@ -4161,6 +4179,1038 @@
     <p:extLst>
       <p:ext uri="{BB962C8B-B14F-4D97-AF65-F5344CB8AC3E}">
         <p14:creationId xmlns:p14="http://schemas.microsoft.com/office/powerpoint/2010/main" val="1874920827"/>
+      </p:ext>
+    </p:extLst>
+  </p:cSld>
+  <p:clrMapOvr>
+    <a:masterClrMapping/>
+  </p:clrMapOvr>
+</p:sld>
+</file>
+
+<file path=ppt/slides/slide14.xml><?xml version="1.0" encoding="utf-8"?>
+<p:sld xmlns:a="http://schemas.openxmlformats.org/drawingml/2006/main" xmlns:r="http://schemas.openxmlformats.org/officeDocument/2006/relationships" xmlns:p="http://schemas.openxmlformats.org/presentationml/2006/main">
+  <p:cSld>
+    <p:spTree>
+      <p:nvGrpSpPr>
+        <p:cNvPr id="1" name=""/>
+        <p:cNvGrpSpPr/>
+        <p:nvPr/>
+      </p:nvGrpSpPr>
+      <p:grpSpPr>
+        <a:xfrm>
+          <a:off x="0" y="0"/>
+          <a:ext cx="0" cy="0"/>
+          <a:chOff x="0" y="0"/>
+          <a:chExt cx="0" cy="0"/>
+        </a:xfrm>
+      </p:grpSpPr>
+      <p:sp>
+        <p:nvSpPr>
+          <p:cNvPr id="4" name="화살표: 위쪽 3">
+            <a:extLst>
+              <a:ext uri="{FF2B5EF4-FFF2-40B4-BE49-F238E27FC236}">
+                <a16:creationId xmlns:a16="http://schemas.microsoft.com/office/drawing/2014/main" id="{F01211BA-D61C-F2EC-1AE2-07527C1BC37F}"/>
+              </a:ext>
+            </a:extLst>
+          </p:cNvPr>
+          <p:cNvSpPr/>
+          <p:nvPr/>
+        </p:nvSpPr>
+        <p:spPr>
+          <a:xfrm rot="2804960">
+            <a:off x="1698147" y="-251132"/>
+            <a:ext cx="437745" cy="3638145"/>
+          </a:xfrm>
+          <a:prstGeom prst="upArrow">
+            <a:avLst/>
+          </a:prstGeom>
+          <a:solidFill>
+            <a:schemeClr val="accent3">
+              <a:lumMod val="60000"/>
+              <a:lumOff val="40000"/>
+            </a:schemeClr>
+          </a:solidFill>
+        </p:spPr>
+        <p:style>
+          <a:lnRef idx="2">
+            <a:schemeClr val="accent1">
+              <a:shade val="15000"/>
+            </a:schemeClr>
+          </a:lnRef>
+          <a:fillRef idx="1">
+            <a:schemeClr val="accent1"/>
+          </a:fillRef>
+          <a:effectRef idx="0">
+            <a:schemeClr val="accent1"/>
+          </a:effectRef>
+          <a:fontRef idx="minor">
+            <a:schemeClr val="lt1"/>
+          </a:fontRef>
+        </p:style>
+        <p:txBody>
+          <a:bodyPr rtlCol="0" anchor="ctr"/>
+          <a:lstStyle/>
+          <a:p>
+            <a:pPr algn="ctr"/>
+            <a:r>
+              <a:rPr lang="en-US" altLang="ko-KR" dirty="0"/>
+              <a:t>A</a:t>
+            </a:r>
+            <a:endParaRPr lang="ko-KR" altLang="en-US" dirty="0"/>
+          </a:p>
+        </p:txBody>
+      </p:sp>
+      <p:sp>
+        <p:nvSpPr>
+          <p:cNvPr id="6" name="화살표: 위쪽 5">
+            <a:extLst>
+              <a:ext uri="{FF2B5EF4-FFF2-40B4-BE49-F238E27FC236}">
+                <a16:creationId xmlns:a16="http://schemas.microsoft.com/office/drawing/2014/main" id="{DFC766C9-4835-BB68-0032-82D50745570B}"/>
+              </a:ext>
+            </a:extLst>
+          </p:cNvPr>
+          <p:cNvSpPr/>
+          <p:nvPr/>
+        </p:nvSpPr>
+        <p:spPr>
+          <a:xfrm>
+            <a:off x="3022490" y="302004"/>
+            <a:ext cx="437745" cy="2606894"/>
+          </a:xfrm>
+          <a:prstGeom prst="upArrow">
+            <a:avLst/>
+          </a:prstGeom>
+          <a:solidFill>
+            <a:srgbClr val="FFFF00"/>
+          </a:solidFill>
+        </p:spPr>
+        <p:style>
+          <a:lnRef idx="2">
+            <a:schemeClr val="accent1">
+              <a:shade val="15000"/>
+            </a:schemeClr>
+          </a:lnRef>
+          <a:fillRef idx="1">
+            <a:schemeClr val="accent1"/>
+          </a:fillRef>
+          <a:effectRef idx="0">
+            <a:schemeClr val="accent1"/>
+          </a:effectRef>
+          <a:fontRef idx="minor">
+            <a:schemeClr val="lt1"/>
+          </a:fontRef>
+        </p:style>
+        <p:txBody>
+          <a:bodyPr rtlCol="0" anchor="ctr"/>
+          <a:lstStyle/>
+          <a:p>
+            <a:pPr algn="ctr"/>
+            <a:r>
+              <a:rPr lang="en-US" altLang="ko-KR" dirty="0"/>
+              <a:t>Y</a:t>
+            </a:r>
+            <a:endParaRPr lang="ko-KR" altLang="en-US" dirty="0"/>
+          </a:p>
+        </p:txBody>
+      </p:sp>
+      <p:sp>
+        <p:nvSpPr>
+          <p:cNvPr id="5" name="화살표: 위쪽 4">
+            <a:extLst>
+              <a:ext uri="{FF2B5EF4-FFF2-40B4-BE49-F238E27FC236}">
+                <a16:creationId xmlns:a16="http://schemas.microsoft.com/office/drawing/2014/main" id="{CE72075C-E563-8FD5-AFED-DC5785EA6977}"/>
+              </a:ext>
+            </a:extLst>
+          </p:cNvPr>
+          <p:cNvSpPr/>
+          <p:nvPr/>
+        </p:nvSpPr>
+        <p:spPr>
+          <a:xfrm rot="5400000">
+            <a:off x="1732297" y="1359820"/>
+            <a:ext cx="437745" cy="2881529"/>
+          </a:xfrm>
+          <a:prstGeom prst="upArrow">
+            <a:avLst/>
+          </a:prstGeom>
+          <a:solidFill>
+            <a:schemeClr val="tx2">
+              <a:lumMod val="50000"/>
+              <a:lumOff val="50000"/>
+            </a:schemeClr>
+          </a:solidFill>
+        </p:spPr>
+        <p:style>
+          <a:lnRef idx="2">
+            <a:schemeClr val="accent1">
+              <a:shade val="15000"/>
+            </a:schemeClr>
+          </a:lnRef>
+          <a:fillRef idx="1">
+            <a:schemeClr val="accent1"/>
+          </a:fillRef>
+          <a:effectRef idx="0">
+            <a:schemeClr val="accent1"/>
+          </a:effectRef>
+          <a:fontRef idx="minor">
+            <a:schemeClr val="lt1"/>
+          </a:fontRef>
+        </p:style>
+        <p:txBody>
+          <a:bodyPr rtlCol="0" anchor="ctr"/>
+          <a:lstStyle/>
+          <a:p>
+            <a:pPr algn="ctr"/>
+            <a:r>
+              <a:rPr lang="en-US" altLang="ko-KR" dirty="0"/>
+              <a:t>X</a:t>
+            </a:r>
+            <a:endParaRPr lang="ko-KR" altLang="en-US" dirty="0"/>
+          </a:p>
+        </p:txBody>
+      </p:sp>
+      <p:sp>
+        <p:nvSpPr>
+          <p:cNvPr id="7" name="TextBox 6">
+            <a:extLst>
+              <a:ext uri="{FF2B5EF4-FFF2-40B4-BE49-F238E27FC236}">
+                <a16:creationId xmlns:a16="http://schemas.microsoft.com/office/drawing/2014/main" id="{73E22867-B391-397E-516C-7CE1A3AA2462}"/>
+              </a:ext>
+            </a:extLst>
+          </p:cNvPr>
+          <p:cNvSpPr txBox="1"/>
+          <p:nvPr/>
+        </p:nvSpPr>
+        <p:spPr>
+          <a:xfrm>
+            <a:off x="4031458" y="302004"/>
+            <a:ext cx="4018326" cy="1200329"/>
+          </a:xfrm>
+          <a:prstGeom prst="rect">
+            <a:avLst/>
+          </a:prstGeom>
+          <a:noFill/>
+        </p:spPr>
+        <p:txBody>
+          <a:bodyPr wrap="square" rtlCol="0">
+            <a:spAutoFit/>
+          </a:bodyPr>
+          <a:lstStyle/>
+          <a:p>
+            <a:r>
+              <a:rPr lang="en-US" altLang="ko-KR" dirty="0"/>
+              <a:t>A </a:t>
+            </a:r>
+            <a:r>
+              <a:rPr lang="ko-KR" altLang="en-US" dirty="0"/>
+              <a:t>벡터는 </a:t>
+            </a:r>
+            <a:endParaRPr lang="en-US" altLang="ko-KR" dirty="0"/>
+          </a:p>
+          <a:p>
+            <a:endParaRPr lang="en-US" altLang="ko-KR" dirty="0"/>
+          </a:p>
+          <a:p>
+            <a:r>
+              <a:rPr lang="en-US" altLang="ko-KR" dirty="0"/>
+              <a:t>(X , 0) + (0, Y) </a:t>
+            </a:r>
+            <a:r>
+              <a:rPr lang="ko-KR" altLang="en-US" dirty="0"/>
+              <a:t>를 </a:t>
+            </a:r>
+            <a:r>
+              <a:rPr lang="ko-KR" altLang="en-US" dirty="0" err="1"/>
+              <a:t>합한것과</a:t>
+            </a:r>
+            <a:r>
+              <a:rPr lang="ko-KR" altLang="en-US" dirty="0"/>
+              <a:t> 같다</a:t>
+            </a:r>
+            <a:r>
+              <a:rPr lang="en-US" altLang="ko-KR" dirty="0"/>
+              <a:t>.</a:t>
+            </a:r>
+          </a:p>
+          <a:p>
+            <a:endParaRPr lang="ko-KR" altLang="en-US" dirty="0"/>
+          </a:p>
+        </p:txBody>
+      </p:sp>
+      <p:pic>
+        <p:nvPicPr>
+          <p:cNvPr id="8" name="그림 7" descr="라인, 도표, 원, 그래프이(가) 표시된 사진&#10;&#10;자동 생성된 설명">
+            <a:extLst>
+              <a:ext uri="{FF2B5EF4-FFF2-40B4-BE49-F238E27FC236}">
+                <a16:creationId xmlns:a16="http://schemas.microsoft.com/office/drawing/2014/main" id="{E3FFE0CE-05E8-FA8D-7798-09A198EAEC6B}"/>
+              </a:ext>
+            </a:extLst>
+          </p:cNvPr>
+          <p:cNvPicPr>
+            <a:picLocks noChangeAspect="1"/>
+          </p:cNvPicPr>
+          <p:nvPr/>
+        </p:nvPicPr>
+        <p:blipFill>
+          <a:blip r:embed="rId2">
+            <a:extLst>
+              <a:ext uri="{28A0092B-C50C-407E-A947-70E740481C1C}">
+                <a14:useLocalDpi xmlns:a14="http://schemas.microsoft.com/office/drawing/2010/main" val="0"/>
+              </a:ext>
+            </a:extLst>
+          </a:blip>
+          <a:stretch>
+            <a:fillRect/>
+          </a:stretch>
+        </p:blipFill>
+        <p:spPr>
+          <a:xfrm>
+            <a:off x="7397025" y="3370981"/>
+            <a:ext cx="4064161" cy="3036956"/>
+          </a:xfrm>
+          <a:prstGeom prst="rect">
+            <a:avLst/>
+          </a:prstGeom>
+        </p:spPr>
+      </p:pic>
+      <p:pic>
+        <p:nvPicPr>
+          <p:cNvPr id="10" name="그림 9" descr="라인, 도표, 그래프이(가) 표시된 사진&#10;&#10;자동 생성된 설명">
+            <a:extLst>
+              <a:ext uri="{FF2B5EF4-FFF2-40B4-BE49-F238E27FC236}">
+                <a16:creationId xmlns:a16="http://schemas.microsoft.com/office/drawing/2014/main" id="{8457DAF9-380F-9AFA-63CB-87963E06F15C}"/>
+              </a:ext>
+            </a:extLst>
+          </p:cNvPr>
+          <p:cNvPicPr>
+            <a:picLocks noChangeAspect="1"/>
+          </p:cNvPicPr>
+          <p:nvPr/>
+        </p:nvPicPr>
+        <p:blipFill>
+          <a:blip r:embed="rId3">
+            <a:extLst>
+              <a:ext uri="{28A0092B-C50C-407E-A947-70E740481C1C}">
+                <a14:useLocalDpi xmlns:a14="http://schemas.microsoft.com/office/drawing/2010/main" val="0"/>
+              </a:ext>
+            </a:extLst>
+          </a:blip>
+          <a:stretch>
+            <a:fillRect/>
+          </a:stretch>
+        </p:blipFill>
+        <p:spPr>
+          <a:xfrm>
+            <a:off x="4350183" y="2146847"/>
+            <a:ext cx="2333951" cy="2448267"/>
+          </a:xfrm>
+          <a:prstGeom prst="rect">
+            <a:avLst/>
+          </a:prstGeom>
+        </p:spPr>
+      </p:pic>
+    </p:spTree>
+    <p:extLst>
+      <p:ext uri="{BB962C8B-B14F-4D97-AF65-F5344CB8AC3E}">
+        <p14:creationId xmlns:p14="http://schemas.microsoft.com/office/powerpoint/2010/main" val="2772152394"/>
+      </p:ext>
+    </p:extLst>
+  </p:cSld>
+  <p:clrMapOvr>
+    <a:masterClrMapping/>
+  </p:clrMapOvr>
+</p:sld>
+</file>
+
+<file path=ppt/slides/slide15.xml><?xml version="1.0" encoding="utf-8"?>
+<p:sld xmlns:a="http://schemas.openxmlformats.org/drawingml/2006/main" xmlns:r="http://schemas.openxmlformats.org/officeDocument/2006/relationships" xmlns:p="http://schemas.openxmlformats.org/presentationml/2006/main">
+  <p:cSld>
+    <p:spTree>
+      <p:nvGrpSpPr>
+        <p:cNvPr id="1" name=""/>
+        <p:cNvGrpSpPr/>
+        <p:nvPr/>
+      </p:nvGrpSpPr>
+      <p:grpSpPr>
+        <a:xfrm>
+          <a:off x="0" y="0"/>
+          <a:ext cx="0" cy="0"/>
+          <a:chOff x="0" y="0"/>
+          <a:chExt cx="0" cy="0"/>
+        </a:xfrm>
+      </p:grpSpPr>
+      <p:sp>
+        <p:nvSpPr>
+          <p:cNvPr id="4" name="TextBox 3">
+            <a:extLst>
+              <a:ext uri="{FF2B5EF4-FFF2-40B4-BE49-F238E27FC236}">
+                <a16:creationId xmlns:a16="http://schemas.microsoft.com/office/drawing/2014/main" id="{D3703129-767C-2862-DDD3-4A00576F1CB4}"/>
+              </a:ext>
+            </a:extLst>
+          </p:cNvPr>
+          <p:cNvSpPr txBox="1"/>
+          <p:nvPr/>
+        </p:nvSpPr>
+        <p:spPr>
+          <a:xfrm>
+            <a:off x="763399" y="428178"/>
+            <a:ext cx="10226180" cy="6001643"/>
+          </a:xfrm>
+          <a:prstGeom prst="rect">
+            <a:avLst/>
+          </a:prstGeom>
+          <a:noFill/>
+        </p:spPr>
+        <p:txBody>
+          <a:bodyPr wrap="square" rtlCol="0">
+            <a:spAutoFit/>
+          </a:bodyPr>
+          <a:lstStyle/>
+          <a:p>
+            <a:r>
+              <a:rPr lang="en-US" altLang="ko-KR" sz="2400" dirty="0"/>
+              <a:t>ChatGPT : </a:t>
+            </a:r>
+            <a:r>
+              <a:rPr lang="ko-KR" altLang="en-US" sz="2400" dirty="0"/>
+              <a:t>삼각함수는 직각삼각형의 변의 길이 비율을 기반으로 정의되는 함수입니다</a:t>
+            </a:r>
+            <a:r>
+              <a:rPr lang="en-US" altLang="ko-KR" sz="2400" dirty="0"/>
+              <a:t>.</a:t>
+            </a:r>
+          </a:p>
+          <a:p>
+            <a:endParaRPr lang="en-US" altLang="ko-KR" sz="2400" dirty="0"/>
+          </a:p>
+          <a:p>
+            <a:endParaRPr lang="en-US" altLang="ko-KR" sz="2400" dirty="0"/>
+          </a:p>
+          <a:p>
+            <a:r>
+              <a:rPr lang="ko-KR" altLang="en-US" sz="2400" dirty="0"/>
+              <a:t>함수란</a:t>
+            </a:r>
+            <a:r>
+              <a:rPr lang="en-US" altLang="ko-KR" sz="2400" dirty="0"/>
+              <a:t>? </a:t>
+            </a:r>
+          </a:p>
+          <a:p>
+            <a:r>
+              <a:rPr lang="ko-KR" altLang="en-US" sz="2400" dirty="0" err="1"/>
+              <a:t>입력값에</a:t>
+            </a:r>
+            <a:r>
+              <a:rPr lang="ko-KR" altLang="en-US" sz="2400" dirty="0"/>
+              <a:t> 대해 하나의 </a:t>
+            </a:r>
+            <a:r>
+              <a:rPr lang="ko-KR" altLang="en-US" sz="2400" dirty="0" err="1"/>
+              <a:t>출력값을</a:t>
+            </a:r>
+            <a:r>
+              <a:rPr lang="ko-KR" altLang="en-US" sz="2400" dirty="0"/>
+              <a:t> 대응시키는 규칙이나 관계로</a:t>
+            </a:r>
+            <a:endParaRPr lang="en-US" altLang="ko-KR" sz="2400" dirty="0"/>
+          </a:p>
+          <a:p>
+            <a:r>
+              <a:rPr lang="ko-KR" altLang="en-US" sz="2400" dirty="0" err="1"/>
+              <a:t>입력값에</a:t>
+            </a:r>
+            <a:r>
+              <a:rPr lang="ko-KR" altLang="en-US" sz="2400" dirty="0"/>
+              <a:t> 따른 출력을 계산하는 규칙을 정의합니다</a:t>
+            </a:r>
+            <a:r>
+              <a:rPr lang="en-US" altLang="ko-KR" sz="2400" dirty="0"/>
+              <a:t>.</a:t>
+            </a:r>
+          </a:p>
+          <a:p>
+            <a:endParaRPr lang="en-US" altLang="ko-KR" sz="2400" dirty="0"/>
+          </a:p>
+          <a:p>
+            <a:endParaRPr lang="en-US" altLang="ko-KR" sz="2400" dirty="0"/>
+          </a:p>
+          <a:p>
+            <a:r>
+              <a:rPr lang="ko-KR" altLang="en-US" sz="2400" dirty="0"/>
+              <a:t>예</a:t>
+            </a:r>
+            <a:r>
+              <a:rPr lang="en-US" altLang="ko-KR" sz="2400" dirty="0"/>
+              <a:t>)</a:t>
+            </a:r>
+          </a:p>
+          <a:p>
+            <a:pPr marL="285750" indent="-285750">
+              <a:buFontTx/>
+              <a:buChar char="-"/>
+            </a:pPr>
+            <a:r>
+              <a:rPr lang="ko-KR" altLang="en-US" sz="2400" dirty="0"/>
+              <a:t>손바닥으로 때리면 </a:t>
+            </a:r>
+            <a:r>
+              <a:rPr lang="en-US" altLang="ko-KR" sz="2400" dirty="0"/>
+              <a:t>(</a:t>
+            </a:r>
+            <a:r>
+              <a:rPr lang="ko-KR" altLang="en-US" sz="2400" dirty="0"/>
+              <a:t>입력</a:t>
+            </a:r>
+            <a:r>
+              <a:rPr lang="en-US" altLang="ko-KR" sz="2400" dirty="0"/>
+              <a:t>) -&gt; </a:t>
+            </a:r>
+            <a:r>
+              <a:rPr lang="ko-KR" altLang="en-US" sz="2400" dirty="0"/>
+              <a:t>아프다 </a:t>
+            </a:r>
+            <a:r>
+              <a:rPr lang="en-US" altLang="ko-KR" sz="2400" dirty="0"/>
+              <a:t>(</a:t>
+            </a:r>
+            <a:r>
+              <a:rPr lang="ko-KR" altLang="en-US" sz="2400" dirty="0"/>
+              <a:t>출력</a:t>
+            </a:r>
+            <a:r>
+              <a:rPr lang="en-US" altLang="ko-KR" sz="2400" dirty="0"/>
+              <a:t>)</a:t>
+            </a:r>
+          </a:p>
+          <a:p>
+            <a:pPr marL="285750" indent="-285750">
+              <a:buFontTx/>
+              <a:buChar char="-"/>
+            </a:pPr>
+            <a:r>
+              <a:rPr lang="ko-KR" altLang="en-US" sz="2400" dirty="0"/>
+              <a:t>주먹으로 때리면 </a:t>
+            </a:r>
+            <a:r>
+              <a:rPr lang="en-US" altLang="ko-KR" sz="2400" dirty="0"/>
+              <a:t>(</a:t>
+            </a:r>
+            <a:r>
+              <a:rPr lang="ko-KR" altLang="en-US" sz="2400" dirty="0"/>
+              <a:t>입력</a:t>
+            </a:r>
+            <a:r>
+              <a:rPr lang="en-US" altLang="ko-KR" sz="2400" dirty="0"/>
+              <a:t>) -&gt; </a:t>
+            </a:r>
+            <a:r>
+              <a:rPr lang="ko-KR" altLang="en-US" sz="2400" dirty="0"/>
+              <a:t>더 아프다 </a:t>
+            </a:r>
+            <a:r>
+              <a:rPr lang="en-US" altLang="ko-KR" sz="2400" dirty="0"/>
+              <a:t>(</a:t>
+            </a:r>
+            <a:r>
+              <a:rPr lang="ko-KR" altLang="en-US" sz="2400" dirty="0"/>
+              <a:t>출력</a:t>
+            </a:r>
+            <a:r>
+              <a:rPr lang="en-US" altLang="ko-KR" sz="2400" dirty="0"/>
+              <a:t>)</a:t>
+            </a:r>
+          </a:p>
+          <a:p>
+            <a:endParaRPr lang="en-US" altLang="ko-KR" sz="2400" dirty="0"/>
+          </a:p>
+          <a:p>
+            <a:endParaRPr lang="en-US" altLang="ko-KR" sz="2400" dirty="0"/>
+          </a:p>
+          <a:p>
+            <a:r>
+              <a:rPr lang="ko-KR" altLang="en-US" sz="2400" dirty="0"/>
+              <a:t>클래스에서 사용하는 함수 역시 </a:t>
+            </a:r>
+            <a:r>
+              <a:rPr lang="en-US" altLang="ko-KR" sz="2400" dirty="0"/>
+              <a:t>(</a:t>
+            </a:r>
+            <a:r>
+              <a:rPr lang="ko-KR" altLang="en-US" sz="2400" dirty="0"/>
+              <a:t>파라미터</a:t>
+            </a:r>
+            <a:r>
+              <a:rPr lang="en-US" altLang="ko-KR" sz="2400" dirty="0"/>
+              <a:t>) -&gt; Return </a:t>
+            </a:r>
+          </a:p>
+          <a:p>
+            <a:endParaRPr lang="ko-KR" altLang="en-US" sz="2400" dirty="0"/>
+          </a:p>
+        </p:txBody>
+      </p:sp>
+    </p:spTree>
+    <p:extLst>
+      <p:ext uri="{BB962C8B-B14F-4D97-AF65-F5344CB8AC3E}">
+        <p14:creationId xmlns:p14="http://schemas.microsoft.com/office/powerpoint/2010/main" val="229680033"/>
+      </p:ext>
+    </p:extLst>
+  </p:cSld>
+  <p:clrMapOvr>
+    <a:masterClrMapping/>
+  </p:clrMapOvr>
+</p:sld>
+</file>
+
+<file path=ppt/slides/slide16.xml><?xml version="1.0" encoding="utf-8"?>
+<p:sld xmlns:a="http://schemas.openxmlformats.org/drawingml/2006/main" xmlns:r="http://schemas.openxmlformats.org/officeDocument/2006/relationships" xmlns:p="http://schemas.openxmlformats.org/presentationml/2006/main">
+  <p:cSld>
+    <p:spTree>
+      <p:nvGrpSpPr>
+        <p:cNvPr id="1" name=""/>
+        <p:cNvGrpSpPr/>
+        <p:nvPr/>
+      </p:nvGrpSpPr>
+      <p:grpSpPr>
+        <a:xfrm>
+          <a:off x="0" y="0"/>
+          <a:ext cx="0" cy="0"/>
+          <a:chOff x="0" y="0"/>
+          <a:chExt cx="0" cy="0"/>
+        </a:xfrm>
+      </p:grpSpPr>
+      <p:pic>
+        <p:nvPicPr>
+          <p:cNvPr id="5" name="그림 4" descr="스케치, 그림, 만화 영화, 라인이(가) 표시된 사진&#10;&#10;자동 생성된 설명">
+            <a:extLst>
+              <a:ext uri="{FF2B5EF4-FFF2-40B4-BE49-F238E27FC236}">
+                <a16:creationId xmlns:a16="http://schemas.microsoft.com/office/drawing/2014/main" id="{983E333E-05F0-9EA0-4C78-FAF14AE14E6B}"/>
+              </a:ext>
+            </a:extLst>
+          </p:cNvPr>
+          <p:cNvPicPr>
+            <a:picLocks noChangeAspect="1"/>
+          </p:cNvPicPr>
+          <p:nvPr/>
+        </p:nvPicPr>
+        <p:blipFill>
+          <a:blip r:embed="rId2">
+            <a:extLst>
+              <a:ext uri="{28A0092B-C50C-407E-A947-70E740481C1C}">
+                <a14:useLocalDpi xmlns:a14="http://schemas.microsoft.com/office/drawing/2010/main" val="0"/>
+              </a:ext>
+            </a:extLst>
+          </a:blip>
+          <a:stretch>
+            <a:fillRect/>
+          </a:stretch>
+        </p:blipFill>
+        <p:spPr>
+          <a:xfrm>
+            <a:off x="726332" y="477768"/>
+            <a:ext cx="6572679" cy="4094231"/>
+          </a:xfrm>
+          <a:prstGeom prst="rect">
+            <a:avLst/>
+          </a:prstGeom>
+        </p:spPr>
+      </p:pic>
+      <p:sp>
+        <p:nvSpPr>
+          <p:cNvPr id="6" name="TextBox 5">
+            <a:extLst>
+              <a:ext uri="{FF2B5EF4-FFF2-40B4-BE49-F238E27FC236}">
+                <a16:creationId xmlns:a16="http://schemas.microsoft.com/office/drawing/2014/main" id="{3D999CCC-9CD4-4EC2-3D55-9F193619640B}"/>
+              </a:ext>
+            </a:extLst>
+          </p:cNvPr>
+          <p:cNvSpPr txBox="1"/>
+          <p:nvPr/>
+        </p:nvSpPr>
+        <p:spPr>
+          <a:xfrm>
+            <a:off x="7733490" y="1225685"/>
+            <a:ext cx="3900791" cy="4247317"/>
+          </a:xfrm>
+          <a:prstGeom prst="rect">
+            <a:avLst/>
+          </a:prstGeom>
+          <a:noFill/>
+        </p:spPr>
+        <p:txBody>
+          <a:bodyPr wrap="square" rtlCol="0">
+            <a:spAutoFit/>
+          </a:bodyPr>
+          <a:lstStyle/>
+          <a:p>
+            <a:r>
+              <a:rPr lang="ko-KR" altLang="en-US" dirty="0"/>
+              <a:t>나무 길이 </a:t>
+            </a:r>
+            <a:r>
+              <a:rPr lang="ko-KR" altLang="en-US" dirty="0" err="1"/>
+              <a:t>잴때</a:t>
+            </a:r>
+            <a:r>
+              <a:rPr lang="ko-KR" altLang="en-US" dirty="0"/>
+              <a:t> 사용 </a:t>
+            </a:r>
+            <a:endParaRPr lang="en-US" altLang="ko-KR" dirty="0"/>
+          </a:p>
+          <a:p>
+            <a:endParaRPr lang="en-US" altLang="ko-KR" dirty="0"/>
+          </a:p>
+          <a:p>
+            <a:pPr marL="285750" indent="-285750">
+              <a:buFontTx/>
+              <a:buChar char="-"/>
+            </a:pPr>
+            <a:r>
+              <a:rPr lang="en-US" altLang="ko-KR" dirty="0"/>
+              <a:t>45</a:t>
+            </a:r>
+            <a:r>
+              <a:rPr lang="ko-KR" altLang="en-US" dirty="0"/>
+              <a:t>도가 </a:t>
+            </a:r>
+            <a:r>
+              <a:rPr lang="ko-KR" altLang="en-US" dirty="0" err="1"/>
+              <a:t>되는거리까지</a:t>
+            </a:r>
+            <a:r>
+              <a:rPr lang="ko-KR" altLang="en-US" dirty="0"/>
+              <a:t> 이동한다</a:t>
+            </a:r>
+            <a:r>
+              <a:rPr lang="en-US" altLang="ko-KR" dirty="0"/>
+              <a:t>.</a:t>
+            </a:r>
+          </a:p>
+          <a:p>
+            <a:pPr marL="285750" indent="-285750">
+              <a:buFontTx/>
+              <a:buChar char="-"/>
+            </a:pPr>
+            <a:endParaRPr lang="en-US" altLang="ko-KR" dirty="0"/>
+          </a:p>
+          <a:p>
+            <a:pPr marL="285750" indent="-285750">
+              <a:buFontTx/>
+              <a:buChar char="-"/>
+            </a:pPr>
+            <a:r>
+              <a:rPr lang="ko-KR" altLang="en-US" dirty="0"/>
+              <a:t>나무 길이를 알 수 있다</a:t>
+            </a:r>
+            <a:r>
+              <a:rPr lang="en-US" altLang="ko-KR" dirty="0"/>
+              <a:t>. </a:t>
+            </a:r>
+          </a:p>
+          <a:p>
+            <a:pPr marL="285750" indent="-285750">
+              <a:buFontTx/>
+              <a:buChar char="-"/>
+            </a:pPr>
+            <a:endParaRPr lang="en-US" altLang="ko-KR" dirty="0"/>
+          </a:p>
+          <a:p>
+            <a:pPr marL="285750" indent="-285750">
+              <a:buFontTx/>
+              <a:buChar char="-"/>
+            </a:pPr>
+            <a:endParaRPr lang="en-US" altLang="ko-KR" dirty="0"/>
+          </a:p>
+          <a:p>
+            <a:pPr marL="285750" indent="-285750">
+              <a:buFontTx/>
+              <a:buChar char="-"/>
+            </a:pPr>
+            <a:r>
+              <a:rPr lang="ko-KR" altLang="en-US" dirty="0"/>
+              <a:t>멀어지면 멀어질수록 </a:t>
+            </a:r>
+            <a:endParaRPr lang="en-US" altLang="ko-KR" dirty="0"/>
+          </a:p>
+          <a:p>
+            <a:endParaRPr lang="en-US" altLang="ko-KR" dirty="0"/>
+          </a:p>
+          <a:p>
+            <a:pPr marL="285750" indent="-285750">
+              <a:buFontTx/>
+              <a:buChar char="-"/>
+            </a:pPr>
+            <a:r>
+              <a:rPr lang="ko-KR" altLang="en-US" dirty="0"/>
+              <a:t>각도는 줄어들고 빗변은 증가한다</a:t>
+            </a:r>
+            <a:r>
+              <a:rPr lang="en-US" altLang="ko-KR" dirty="0"/>
+              <a:t>. ( </a:t>
+            </a:r>
+            <a:r>
+              <a:rPr lang="ko-KR" altLang="en-US" dirty="0"/>
+              <a:t>일정한 비율이 된다 </a:t>
+            </a:r>
+            <a:r>
+              <a:rPr lang="en-US" altLang="ko-KR" dirty="0"/>
+              <a:t>)</a:t>
+            </a:r>
+          </a:p>
+          <a:p>
+            <a:pPr marL="285750" indent="-285750">
+              <a:buFontTx/>
+              <a:buChar char="-"/>
+            </a:pPr>
+            <a:endParaRPr lang="en-US" altLang="ko-KR" dirty="0"/>
+          </a:p>
+          <a:p>
+            <a:pPr marL="285750" indent="-285750">
+              <a:buFontTx/>
+              <a:buChar char="-"/>
+            </a:pPr>
+            <a:endParaRPr lang="en-US" altLang="ko-KR" dirty="0"/>
+          </a:p>
+          <a:p>
+            <a:pPr marL="285750" indent="-285750">
+              <a:buFontTx/>
+              <a:buChar char="-"/>
+            </a:pPr>
+            <a:endParaRPr lang="en-US" altLang="ko-KR" dirty="0"/>
+          </a:p>
+          <a:p>
+            <a:endParaRPr lang="en-US" altLang="ko-KR" dirty="0"/>
+          </a:p>
+        </p:txBody>
+      </p:sp>
+    </p:spTree>
+    <p:extLst>
+      <p:ext uri="{BB962C8B-B14F-4D97-AF65-F5344CB8AC3E}">
+        <p14:creationId xmlns:p14="http://schemas.microsoft.com/office/powerpoint/2010/main" val="1573663941"/>
+      </p:ext>
+    </p:extLst>
+  </p:cSld>
+  <p:clrMapOvr>
+    <a:masterClrMapping/>
+  </p:clrMapOvr>
+</p:sld>
+</file>
+
+<file path=ppt/slides/slide17.xml><?xml version="1.0" encoding="utf-8"?>
+<p:sld xmlns:a="http://schemas.openxmlformats.org/drawingml/2006/main" xmlns:r="http://schemas.openxmlformats.org/officeDocument/2006/relationships" xmlns:p="http://schemas.openxmlformats.org/presentationml/2006/main">
+  <p:cSld>
+    <p:spTree>
+      <p:nvGrpSpPr>
+        <p:cNvPr id="1" name=""/>
+        <p:cNvGrpSpPr/>
+        <p:nvPr/>
+      </p:nvGrpSpPr>
+      <p:grpSpPr>
+        <a:xfrm>
+          <a:off x="0" y="0"/>
+          <a:ext cx="0" cy="0"/>
+          <a:chOff x="0" y="0"/>
+          <a:chExt cx="0" cy="0"/>
+        </a:xfrm>
+      </p:grpSpPr>
+      <p:pic>
+        <p:nvPicPr>
+          <p:cNvPr id="4" name="그림 3" descr="라인, 도표, 원, 그래프이(가) 표시된 사진&#10;&#10;자동 생성된 설명">
+            <a:extLst>
+              <a:ext uri="{FF2B5EF4-FFF2-40B4-BE49-F238E27FC236}">
+                <a16:creationId xmlns:a16="http://schemas.microsoft.com/office/drawing/2014/main" id="{08B3E5D1-B17D-9299-A4E4-4C58D6108603}"/>
+              </a:ext>
+            </a:extLst>
+          </p:cNvPr>
+          <p:cNvPicPr>
+            <a:picLocks noChangeAspect="1"/>
+          </p:cNvPicPr>
+          <p:nvPr/>
+        </p:nvPicPr>
+        <p:blipFill>
+          <a:blip r:embed="rId2">
+            <a:extLst>
+              <a:ext uri="{28A0092B-C50C-407E-A947-70E740481C1C}">
+                <a14:useLocalDpi xmlns:a14="http://schemas.microsoft.com/office/drawing/2010/main" val="0"/>
+              </a:ext>
+            </a:extLst>
+          </a:blip>
+          <a:stretch>
+            <a:fillRect/>
+          </a:stretch>
+        </p:blipFill>
+        <p:spPr>
+          <a:xfrm>
+            <a:off x="1020163" y="1153253"/>
+            <a:ext cx="6384575" cy="4770892"/>
+          </a:xfrm>
+          <a:prstGeom prst="rect">
+            <a:avLst/>
+          </a:prstGeom>
+        </p:spPr>
+      </p:pic>
+      <p:sp>
+        <p:nvSpPr>
+          <p:cNvPr id="5" name="TextBox 4">
+            <a:extLst>
+              <a:ext uri="{FF2B5EF4-FFF2-40B4-BE49-F238E27FC236}">
+                <a16:creationId xmlns:a16="http://schemas.microsoft.com/office/drawing/2014/main" id="{EC347B04-6882-AC8E-7258-BC7669D7832B}"/>
+              </a:ext>
+            </a:extLst>
+          </p:cNvPr>
+          <p:cNvSpPr txBox="1"/>
+          <p:nvPr/>
+        </p:nvSpPr>
+        <p:spPr>
+          <a:xfrm>
+            <a:off x="8005864" y="2524853"/>
+            <a:ext cx="3521413" cy="2862322"/>
+          </a:xfrm>
+          <a:prstGeom prst="rect">
+            <a:avLst/>
+          </a:prstGeom>
+          <a:noFill/>
+        </p:spPr>
+        <p:txBody>
+          <a:bodyPr wrap="square" rtlCol="0">
+            <a:spAutoFit/>
+          </a:bodyPr>
+          <a:lstStyle/>
+          <a:p>
+            <a:r>
+              <a:rPr lang="ko-KR" altLang="en-US" dirty="0"/>
+              <a:t>빗변의 길이가 </a:t>
+            </a:r>
+            <a:r>
+              <a:rPr lang="en-US" altLang="ko-KR" dirty="0"/>
+              <a:t>1</a:t>
+            </a:r>
+            <a:r>
+              <a:rPr lang="ko-KR" altLang="en-US" dirty="0"/>
+              <a:t>로 </a:t>
+            </a:r>
+            <a:r>
+              <a:rPr lang="ko-KR" altLang="en-US" dirty="0" err="1"/>
+              <a:t>계속같다는</a:t>
+            </a:r>
+            <a:endParaRPr lang="en-US" altLang="ko-KR" dirty="0"/>
+          </a:p>
+          <a:p>
+            <a:endParaRPr lang="en-US" altLang="ko-KR" dirty="0"/>
+          </a:p>
+          <a:p>
+            <a:r>
+              <a:rPr lang="ko-KR" altLang="en-US" dirty="0"/>
+              <a:t>삼각형의 각도가 변경되면 </a:t>
+            </a:r>
+            <a:endParaRPr lang="en-US" altLang="ko-KR" dirty="0"/>
+          </a:p>
+          <a:p>
+            <a:endParaRPr lang="en-US" altLang="ko-KR" dirty="0"/>
+          </a:p>
+          <a:p>
+            <a:r>
+              <a:rPr lang="ko-KR" altLang="en-US" dirty="0"/>
+              <a:t>원이 그려진다</a:t>
+            </a:r>
+            <a:r>
+              <a:rPr lang="en-US" altLang="ko-KR" dirty="0"/>
+              <a:t>. </a:t>
+            </a:r>
+          </a:p>
+          <a:p>
+            <a:endParaRPr lang="en-US" altLang="ko-KR" dirty="0"/>
+          </a:p>
+          <a:p>
+            <a:endParaRPr lang="en-US" altLang="ko-KR" dirty="0"/>
+          </a:p>
+          <a:p>
+            <a:endParaRPr lang="en-US" altLang="ko-KR" dirty="0"/>
+          </a:p>
+          <a:p>
+            <a:r>
+              <a:rPr lang="ko-KR" altLang="en-US" dirty="0"/>
+              <a:t>단위벡터로 방향벡터로 사용하기 좋다</a:t>
+            </a:r>
+            <a:r>
+              <a:rPr lang="en-US" altLang="ko-KR" dirty="0"/>
+              <a:t>. </a:t>
+            </a:r>
+          </a:p>
+        </p:txBody>
+      </p:sp>
+    </p:spTree>
+    <p:extLst>
+      <p:ext uri="{BB962C8B-B14F-4D97-AF65-F5344CB8AC3E}">
+        <p14:creationId xmlns:p14="http://schemas.microsoft.com/office/powerpoint/2010/main" val="2212002735"/>
+      </p:ext>
+    </p:extLst>
+  </p:cSld>
+  <p:clrMapOvr>
+    <a:masterClrMapping/>
+  </p:clrMapOvr>
+</p:sld>
+</file>
+
+<file path=ppt/slides/slide18.xml><?xml version="1.0" encoding="utf-8"?>
+<p:sld xmlns:a="http://schemas.openxmlformats.org/drawingml/2006/main" xmlns:r="http://schemas.openxmlformats.org/officeDocument/2006/relationships" xmlns:p="http://schemas.openxmlformats.org/presentationml/2006/main">
+  <p:cSld>
+    <p:spTree>
+      <p:nvGrpSpPr>
+        <p:cNvPr id="1" name=""/>
+        <p:cNvGrpSpPr/>
+        <p:nvPr/>
+      </p:nvGrpSpPr>
+      <p:grpSpPr>
+        <a:xfrm>
+          <a:off x="0" y="0"/>
+          <a:ext cx="0" cy="0"/>
+          <a:chOff x="0" y="0"/>
+          <a:chExt cx="0" cy="0"/>
+        </a:xfrm>
+      </p:grpSpPr>
+      <p:pic>
+        <p:nvPicPr>
+          <p:cNvPr id="6" name="그림 5">
+            <a:extLst>
+              <a:ext uri="{FF2B5EF4-FFF2-40B4-BE49-F238E27FC236}">
+                <a16:creationId xmlns:a16="http://schemas.microsoft.com/office/drawing/2014/main" id="{8DDA827D-AAA6-C7D3-06E9-3C987B81DF76}"/>
+              </a:ext>
+            </a:extLst>
+          </p:cNvPr>
+          <p:cNvPicPr>
+            <a:picLocks noChangeAspect="1"/>
+          </p:cNvPicPr>
+          <p:nvPr/>
+        </p:nvPicPr>
+        <p:blipFill>
+          <a:blip r:embed="rId2">
+            <a:extLst>
+              <a:ext uri="{28A0092B-C50C-407E-A947-70E740481C1C}">
+                <a14:useLocalDpi xmlns:a14="http://schemas.microsoft.com/office/drawing/2010/main" val="0"/>
+              </a:ext>
+            </a:extLst>
+          </a:blip>
+          <a:stretch>
+            <a:fillRect/>
+          </a:stretch>
+        </p:blipFill>
+        <p:spPr>
+          <a:xfrm>
+            <a:off x="1570993" y="571101"/>
+            <a:ext cx="9050013" cy="5715798"/>
+          </a:xfrm>
+          <a:prstGeom prst="rect">
+            <a:avLst/>
+          </a:prstGeom>
+        </p:spPr>
+      </p:pic>
+    </p:spTree>
+    <p:extLst>
+      <p:ext uri="{BB962C8B-B14F-4D97-AF65-F5344CB8AC3E}">
+        <p14:creationId xmlns:p14="http://schemas.microsoft.com/office/powerpoint/2010/main" val="1898470205"/>
       </p:ext>
     </p:extLst>
   </p:cSld>
@@ -4959,6 +6009,20 @@
               <a:t>이름</a:t>
             </a:r>
             <a:endParaRPr lang="en-US" altLang="ko-KR" dirty="0"/>
+          </a:p>
+          <a:p>
+            <a:pPr algn="ctr"/>
+            <a:r>
+              <a:rPr lang="en-US" altLang="ko-KR" dirty="0"/>
+              <a:t>Layer : XX </a:t>
+            </a:r>
+          </a:p>
+          <a:p>
+            <a:pPr algn="ctr"/>
+            <a:r>
+              <a:rPr lang="en-US" altLang="ko-KR" dirty="0"/>
+              <a:t>Tag : XX</a:t>
+            </a:r>
           </a:p>
         </p:txBody>
       </p:sp>
@@ -5539,7 +6603,7 @@
         </p:nvSpPr>
         <p:spPr>
           <a:xfrm>
-            <a:off x="771787" y="3429000"/>
+            <a:off x="1803632" y="4651438"/>
             <a:ext cx="1275127" cy="1140902"/>
           </a:xfrm>
           <a:prstGeom prst="ellipse">
